--- a/flt-tst-alpha-masking.pptx
+++ b/flt-tst-alpha-masking.pptx
@@ -3552,7 +3552,7 @@
         </p:nvGrpSpPr>
         <p:grpSpPr>
           <a:xfrm>
-            <a:off x="344429" y="236997"/>
+            <a:off x="225159" y="0"/>
             <a:ext cx="11503141" cy="6384005"/>
             <a:chOff x="1428239" y="236996"/>
             <a:chExt cx="11503141" cy="6384005"/>
@@ -3879,6 +3879,41 @@
           </p:spPr>
         </p:pic>
       </p:grpSp>
+      <p:sp>
+        <p:nvSpPr>
+          <p:cNvPr id="2" name="TextBox 1">
+            <a:extLst>
+              <a:ext uri="{FF2B5EF4-FFF2-40B4-BE49-F238E27FC236}">
+                <a16:creationId xmlns:a16="http://schemas.microsoft.com/office/drawing/2014/main" id="{B1342CB4-6BC9-4B83-E5AA-B2F0BC7AA1AB}"/>
+              </a:ext>
+            </a:extLst>
+          </p:cNvPr>
+          <p:cNvSpPr txBox="1"/>
+          <p:nvPr/>
+        </p:nvSpPr>
+        <p:spPr>
+          <a:xfrm>
+            <a:off x="7864478" y="6384005"/>
+            <a:ext cx="1343638" cy="523220"/>
+          </a:xfrm>
+          <a:prstGeom prst="rect">
+            <a:avLst/>
+          </a:prstGeom>
+          <a:noFill/>
+        </p:spPr>
+        <p:txBody>
+          <a:bodyPr wrap="none" rtlCol="0">
+            <a:spAutoFit/>
+          </a:bodyPr>
+          <a:lstStyle/>
+          <a:p>
+            <a:r>
+              <a:rPr lang="en-US" sz="2800" dirty="0"/>
+              <a:t>labeled</a:t>
+            </a:r>
+          </a:p>
+        </p:txBody>
+      </p:sp>
     </p:spTree>
     <p:extLst>
       <p:ext uri="{BB962C8B-B14F-4D97-AF65-F5344CB8AC3E}">
@@ -4242,8 +4277,8 @@
         </p:blipFill>
         <p:spPr>
           <a:xfrm>
-            <a:off x="5714834" y="1440334"/>
-            <a:ext cx="3977331" cy="3977331"/>
+            <a:off x="5434596" y="236997"/>
+            <a:ext cx="5860785" cy="5860785"/>
           </a:xfrm>
           <a:prstGeom prst="rect">
             <a:avLst/>
@@ -4264,7 +4299,7 @@
         </p:nvSpPr>
         <p:spPr>
           <a:xfrm>
-            <a:off x="7031680" y="5417665"/>
+            <a:off x="7721642" y="6099323"/>
             <a:ext cx="1343638" cy="523220"/>
           </a:xfrm>
           <a:prstGeom prst="rect">
